--- a/Arquitetura e Organização de Computadores.pptx
+++ b/Arquitetura e Organização de Computadores.pptx
@@ -4005,7 +4005,7 @@
       </p:sp>
       <p:pic>
         <p:nvPicPr>
-          <p:cNvPr id="5122" name="Picture 2" descr="Banco de reg.png"/>
+          <p:cNvPr id="5124" name="Picture 4" descr="BancoRegistradores.png"/>
           <p:cNvPicPr>
             <a:picLocks noChangeAspect="1" noChangeArrowheads="1"/>
           </p:cNvPicPr>
@@ -4020,8 +4020,8 @@
         </p:blipFill>
         <p:spPr bwMode="auto">
           <a:xfrm>
-            <a:off x="395536" y="2492896"/>
-            <a:ext cx="8280920" cy="3888432"/>
+            <a:off x="179512" y="2348880"/>
+            <a:ext cx="8712968" cy="4248472"/>
           </a:xfrm>
           <a:prstGeom prst="rect">
             <a:avLst/>
